--- a/Doc/Presentation/講義形式/③開発環境構築.pptx
+++ b/Doc/Presentation/講義形式/③開発環境構築.pptx
@@ -175,14 +175,6 @@
 </p:presentation>
 </file>
 
-<file path=ppt/revisionInfo.xml><?xml version="1.0" encoding="utf-8"?>
-<p1510:revInfo xmlns:a="http://schemas.openxmlformats.org/drawingml/2006/main" xmlns:r="http://schemas.openxmlformats.org/officeDocument/2006/relationships" xmlns:p1510="http://schemas.microsoft.com/office/powerpoint/2015/10/main">
-  <p1510:revLst>
-    <p1510:client id="{89931FBF-C10D-41F9-9B4E-530C99E4B782}" v="2" dt="2024-04-14T06:14:17.050"/>
-  </p1510:revLst>
-</p1510:revInfo>
-</file>
-
 <file path=ppt/changesInfos/changesInfo1.xml><?xml version="1.0" encoding="utf-8"?>
 <pc:chgInfo xmlns:a="http://schemas.openxmlformats.org/drawingml/2006/main" xmlns:r="http://schemas.openxmlformats.org/officeDocument/2006/relationships" xmlns:ac="http://schemas.microsoft.com/office/drawing/2013/main/command" xmlns:pc="http://schemas.microsoft.com/office/powerpoint/2013/main/command">
   <pc:docChgLst>
@@ -6107,6 +6099,45 @@
             <pc:docMk/>
             <pc:sldMk cId="2845306209" sldId="610"/>
             <ac:spMk id="3" creationId="{102FACAB-1615-D547-2C25-C9AE4BEB873B}"/>
+          </ac:spMkLst>
+        </pc:spChg>
+      </pc:sldChg>
+    </pc:docChg>
+  </pc:docChgLst>
+  <pc:docChgLst>
+    <pc:chgData name="り ぶ" userId="e79b0678f96bfbc0" providerId="LiveId" clId="{EB7DA097-0821-4F9A-98C9-609C91CB9187}"/>
+    <pc:docChg chg="modSld">
+      <pc:chgData name="り ぶ" userId="e79b0678f96bfbc0" providerId="LiveId" clId="{EB7DA097-0821-4F9A-98C9-609C91CB9187}" dt="2024-06-04T06:35:46.972" v="1" actId="20577"/>
+      <pc:docMkLst>
+        <pc:docMk/>
+      </pc:docMkLst>
+      <pc:sldChg chg="modSp mod">
+        <pc:chgData name="り ぶ" userId="e79b0678f96bfbc0" providerId="LiveId" clId="{EB7DA097-0821-4F9A-98C9-609C91CB9187}" dt="2024-06-04T06:35:46.972" v="1" actId="20577"/>
+        <pc:sldMkLst>
+          <pc:docMk/>
+          <pc:sldMk cId="311755332" sldId="551"/>
+        </pc:sldMkLst>
+        <pc:spChg chg="mod">
+          <ac:chgData name="り ぶ" userId="e79b0678f96bfbc0" providerId="LiveId" clId="{EB7DA097-0821-4F9A-98C9-609C91CB9187}" dt="2024-06-04T06:35:46.972" v="1" actId="20577"/>
+          <ac:spMkLst>
+            <pc:docMk/>
+            <pc:sldMk cId="311755332" sldId="551"/>
+            <ac:spMk id="3" creationId="{461EABB6-1B73-CE2D-912B-D3ED387E6430}"/>
+          </ac:spMkLst>
+        </pc:spChg>
+      </pc:sldChg>
+      <pc:sldChg chg="modSp mod">
+        <pc:chgData name="り ぶ" userId="e79b0678f96bfbc0" providerId="LiveId" clId="{EB7DA097-0821-4F9A-98C9-609C91CB9187}" dt="2024-06-04T06:35:33.083" v="0" actId="20577"/>
+        <pc:sldMkLst>
+          <pc:docMk/>
+          <pc:sldMk cId="2295578774" sldId="604"/>
+        </pc:sldMkLst>
+        <pc:spChg chg="mod">
+          <ac:chgData name="り ぶ" userId="e79b0678f96bfbc0" providerId="LiveId" clId="{EB7DA097-0821-4F9A-98C9-609C91CB9187}" dt="2024-06-04T06:35:33.083" v="0" actId="20577"/>
+          <ac:spMkLst>
+            <pc:docMk/>
+            <pc:sldMk cId="2295578774" sldId="604"/>
+            <ac:spMk id="3" creationId="{461EABB6-1B73-CE2D-912B-D3ED387E6430}"/>
           </ac:spMkLst>
         </pc:spChg>
       </pc:sldChg>
@@ -9148,7 +9179,7 @@
           <a:p>
             <a:fld id="{389ACFA8-1AB5-47AD-8712-789ED582E266}" type="datetimeFigureOut">
               <a:rPr kumimoji="1" lang="ja-JP" altLang="en-US" smtClean="0"/>
-              <a:t>2024/4/14</a:t>
+              <a:t>2024/6/4</a:t>
             </a:fld>
             <a:endParaRPr kumimoji="1" lang="ja-JP" altLang="en-US"/>
           </a:p>
@@ -9277,7 +9308,7 @@
             <a:fld id="{49E156C8-D1E6-4437-B817-0C57EC289493}" type="datetimeFigureOut">
               <a:rPr kumimoji="1" lang="ja-JP" altLang="en-US" smtClean="0"/>
               <a:pPr/>
-              <a:t>2024/4/14</a:t>
+              <a:t>2024/6/4</a:t>
             </a:fld>
             <a:endParaRPr kumimoji="1" lang="ja-JP" altLang="en-US"/>
           </a:p>
@@ -13700,22 +13731,6 @@
             </a:r>
             <a:endParaRPr lang="en-US" altLang="ja-JP" dirty="0"/>
           </a:p>
-          <a:p>
-            <a:pPr lvl="1"/>
-            <a:r>
-              <a:rPr lang="en-US" altLang="ja-JP" dirty="0"/>
-              <a:t>pip install </a:t>
-            </a:r>
-            <a:r>
-              <a:rPr lang="en-US" altLang="ja-JP" dirty="0" err="1"/>
-              <a:t>flet</a:t>
-            </a:r>
-            <a:r>
-              <a:rPr lang="en-US" altLang="ja-JP" dirty="0"/>
-              <a:t>-multi-page --upgrade</a:t>
-            </a:r>
-            <a:endParaRPr lang="ja-JP" altLang="en-US" dirty="0"/>
-          </a:p>
         </p:txBody>
       </p:sp>
     </p:spTree>
@@ -18953,22 +18968,6 @@
               <a:t>flet</a:t>
             </a:r>
             <a:endParaRPr lang="en-US" altLang="ja-JP" dirty="0"/>
-          </a:p>
-          <a:p>
-            <a:pPr lvl="1"/>
-            <a:r>
-              <a:rPr lang="en-US" altLang="ja-JP" dirty="0"/>
-              <a:t>pip install </a:t>
-            </a:r>
-            <a:r>
-              <a:rPr lang="en-US" altLang="ja-JP" dirty="0" err="1"/>
-              <a:t>flet</a:t>
-            </a:r>
-            <a:r>
-              <a:rPr lang="en-US" altLang="ja-JP" dirty="0"/>
-              <a:t>-multi-page --upgrade</a:t>
-            </a:r>
-            <a:endParaRPr lang="ja-JP" altLang="en-US" dirty="0"/>
           </a:p>
         </p:txBody>
       </p:sp>
